--- a/djangoISSSTE/static/ppt/informacion_general.pptx
+++ b/djangoISSSTE/static/ppt/informacion_general.pptx
@@ -5,11 +5,11 @@
     <p:sldMasterId id="2147483648" r:id="rId1"/>
   </p:sldMasterIdLst>
   <p:sldIdLst>
-    <p:sldId id="257" r:id="rId2"/>
-    <p:sldId id="258" r:id="rId3"/>
-    <p:sldId id="259" r:id="rId4"/>
-    <p:sldId id="260" r:id="rId5"/>
-    <p:sldId id="261" r:id="rId6"/>
+    <p:sldId id="256" r:id="rId2"/>
+    <p:sldId id="257" r:id="rId3"/>
+    <p:sldId id="258" r:id="rId4"/>
+    <p:sldId id="259" r:id="rId5"/>
+    <p:sldId id="260" r:id="rId6"/>
   </p:sldIdLst>
   <p:sldSz cx="12192000" cy="6858000"/>
   <p:notesSz cx="6858000" cy="9144000"/>
@@ -110,7 +110,7 @@
   </p:defaultTextStyle>
   <p:extLst>
     <p:ext uri="{EFAFB233-063F-42B5-8137-9DF3F51BA10A}">
-      <p15:sldGuideLst xmlns:p15="http://schemas.microsoft.com/office/powerpoint/2012/main"/>
+      <p15:sldGuideLst xmlns="" xmlns:p15="http://schemas.microsoft.com/office/powerpoint/2012/main"/>
     </p:ext>
   </p:extLst>
 </p:presentation>
@@ -583,7 +583,7 @@
           <a:p>
             <a:fld id="{02329761-4139-EC4D-8014-1F5D651A2AAB}" type="datetimeFigureOut">
               <a:rPr lang="es-ES_tradnl" smtClean="0"/>
-              <a:t>13/05/2016</a:t>
+              <a:t>23/05/16</a:t>
             </a:fld>
             <a:endParaRPr lang="es-ES_tradnl"/>
           </a:p>
@@ -633,7 +633,7 @@
           <a:p>
             <a:fld id="{C5340882-AF97-6B4E-908F-056A5ABD283A}" type="slidenum">
               <a:rPr lang="es-ES_tradnl" smtClean="0"/>
-              <a:t>‹Nº›</a:t>
+              <a:t>‹Nr.›</a:t>
             </a:fld>
             <a:endParaRPr lang="es-ES_tradnl"/>
           </a:p>
@@ -779,7 +779,7 @@
           <a:p>
             <a:fld id="{02329761-4139-EC4D-8014-1F5D651A2AAB}" type="datetimeFigureOut">
               <a:rPr lang="es-ES_tradnl" smtClean="0"/>
-              <a:t>13/05/2016</a:t>
+              <a:t>23/05/16</a:t>
             </a:fld>
             <a:endParaRPr lang="es-ES_tradnl"/>
           </a:p>
@@ -829,7 +829,7 @@
           <a:p>
             <a:fld id="{C5340882-AF97-6B4E-908F-056A5ABD283A}" type="slidenum">
               <a:rPr lang="es-ES_tradnl" smtClean="0"/>
-              <a:t>‹Nº›</a:t>
+              <a:t>‹Nr.›</a:t>
             </a:fld>
             <a:endParaRPr lang="es-ES_tradnl"/>
           </a:p>
@@ -1343,7 +1343,7 @@
           <a:p>
             <a:fld id="{02329761-4139-EC4D-8014-1F5D651A2AAB}" type="datetimeFigureOut">
               <a:rPr lang="es-ES_tradnl" smtClean="0"/>
-              <a:t>13/05/2016</a:t>
+              <a:t>23/05/16</a:t>
             </a:fld>
             <a:endParaRPr lang="es-ES_tradnl"/>
           </a:p>
@@ -1393,7 +1393,7 @@
           <a:p>
             <a:fld id="{C5340882-AF97-6B4E-908F-056A5ABD283A}" type="slidenum">
               <a:rPr lang="es-ES_tradnl" smtClean="0"/>
-              <a:t>‹Nº›</a:t>
+              <a:t>‹Nr.›</a:t>
             </a:fld>
             <a:endParaRPr lang="es-ES_tradnl"/>
           </a:p>
@@ -1591,7 +1591,7 @@
           <a:p>
             <a:fld id="{02329761-4139-EC4D-8014-1F5D651A2AAB}" type="datetimeFigureOut">
               <a:rPr lang="es-ES_tradnl" smtClean="0"/>
-              <a:t>13/05/2016</a:t>
+              <a:t>23/05/16</a:t>
             </a:fld>
             <a:endParaRPr lang="es-ES_tradnl"/>
           </a:p>
@@ -1641,7 +1641,7 @@
           <a:p>
             <a:fld id="{C5340882-AF97-6B4E-908F-056A5ABD283A}" type="slidenum">
               <a:rPr lang="es-ES_tradnl" smtClean="0"/>
-              <a:t>‹Nº›</a:t>
+              <a:t>‹Nr.›</a:t>
             </a:fld>
             <a:endParaRPr lang="es-ES_tradnl"/>
           </a:p>
@@ -1974,7 +1974,7 @@
           <a:p>
             <a:fld id="{02329761-4139-EC4D-8014-1F5D651A2AAB}" type="datetimeFigureOut">
               <a:rPr lang="es-ES_tradnl" smtClean="0"/>
-              <a:t>13/05/2016</a:t>
+              <a:t>23/05/16</a:t>
             </a:fld>
             <a:endParaRPr lang="es-ES_tradnl"/>
           </a:p>
@@ -2024,7 +2024,7 @@
           <a:p>
             <a:fld id="{C5340882-AF97-6B4E-908F-056A5ABD283A}" type="slidenum">
               <a:rPr lang="es-ES_tradnl" smtClean="0"/>
-              <a:t>‹Nº›</a:t>
+              <a:t>‹Nr.›</a:t>
             </a:fld>
             <a:endParaRPr lang="es-ES_tradnl"/>
           </a:p>
@@ -2108,7 +2108,7 @@
           <a:p>
             <a:fld id="{02329761-4139-EC4D-8014-1F5D651A2AAB}" type="datetimeFigureOut">
               <a:rPr lang="es-ES_tradnl" smtClean="0"/>
-              <a:t>13/05/2016</a:t>
+              <a:t>23/05/16</a:t>
             </a:fld>
             <a:endParaRPr lang="es-ES_tradnl"/>
           </a:p>
@@ -2158,7 +2158,7 @@
           <a:p>
             <a:fld id="{C5340882-AF97-6B4E-908F-056A5ABD283A}" type="slidenum">
               <a:rPr lang="es-ES_tradnl" smtClean="0"/>
-              <a:t>‹Nº›</a:t>
+              <a:t>‹Nr.›</a:t>
             </a:fld>
             <a:endParaRPr lang="es-ES_tradnl"/>
           </a:p>
@@ -2219,7 +2219,7 @@
           <a:p>
             <a:fld id="{02329761-4139-EC4D-8014-1F5D651A2AAB}" type="datetimeFigureOut">
               <a:rPr lang="es-ES_tradnl" smtClean="0"/>
-              <a:t>13/05/2016</a:t>
+              <a:t>23/05/16</a:t>
             </a:fld>
             <a:endParaRPr lang="es-ES_tradnl"/>
           </a:p>
@@ -2269,7 +2269,7 @@
           <a:p>
             <a:fld id="{C5340882-AF97-6B4E-908F-056A5ABD283A}" type="slidenum">
               <a:rPr lang="es-ES_tradnl" smtClean="0"/>
-              <a:t>‹Nº›</a:t>
+              <a:t>‹Nr.›</a:t>
             </a:fld>
             <a:endParaRPr lang="es-ES_tradnl"/>
           </a:p>
@@ -2512,7 +2512,7 @@
           <a:p>
             <a:fld id="{02329761-4139-EC4D-8014-1F5D651A2AAB}" type="datetimeFigureOut">
               <a:rPr lang="es-ES_tradnl" smtClean="0"/>
-              <a:t>13/05/2016</a:t>
+              <a:t>23/05/16</a:t>
             </a:fld>
             <a:endParaRPr lang="es-ES_tradnl"/>
           </a:p>
@@ -2562,7 +2562,7 @@
           <a:p>
             <a:fld id="{C5340882-AF97-6B4E-908F-056A5ABD283A}" type="slidenum">
               <a:rPr lang="es-ES_tradnl" smtClean="0"/>
-              <a:t>‹Nº›</a:t>
+              <a:t>‹Nr.›</a:t>
             </a:fld>
             <a:endParaRPr lang="es-ES_tradnl"/>
           </a:p>
@@ -2781,7 +2781,7 @@
           <a:p>
             <a:fld id="{02329761-4139-EC4D-8014-1F5D651A2AAB}" type="datetimeFigureOut">
               <a:rPr lang="es-ES_tradnl" smtClean="0"/>
-              <a:t>13/05/2016</a:t>
+              <a:t>23/05/16</a:t>
             </a:fld>
             <a:endParaRPr lang="es-ES_tradnl"/>
           </a:p>
@@ -2831,7 +2831,7 @@
           <a:p>
             <a:fld id="{C5340882-AF97-6B4E-908F-056A5ABD283A}" type="slidenum">
               <a:rPr lang="es-ES_tradnl" smtClean="0"/>
-              <a:t>‹Nº›</a:t>
+              <a:t>‹Nr.›</a:t>
             </a:fld>
             <a:endParaRPr lang="es-ES_tradnl"/>
           </a:p>
@@ -2938,14 +2938,202 @@
           </a:ln>
         </p:spPr>
       </p:pic>
+      <p:sp>
+        <p:nvSpPr>
+          <p:cNvPr id="2" name="Marcador de título 1"/>
+          <p:cNvSpPr>
+            <a:spLocks noGrp="1"/>
+          </p:cNvSpPr>
+          <p:nvPr>
+            <p:ph type="title"/>
+          </p:nvPr>
+        </p:nvSpPr>
+        <p:spPr>
+          <a:xfrm>
+            <a:off x="7161195" y="86082"/>
+            <a:ext cx="4816623" cy="289368"/>
+          </a:xfrm>
+          <a:prstGeom prst="rect">
+            <a:avLst/>
+          </a:prstGeom>
+        </p:spPr>
+        <p:txBody>
+          <a:bodyPr vert="horz" lIns="91440" tIns="45720" rIns="91440" bIns="45720" rtlCol="0" anchor="ctr">
+            <a:noAutofit/>
+          </a:bodyPr>
+          <a:lstStyle/>
+          <a:p>
+            <a:r>
+              <a:rPr lang="es-ES_tradnl" dirty="0" smtClean="0"/>
+              <a:t>Estrategia Nacional de </a:t>
+            </a:r>
+            <a:r>
+              <a:rPr lang="es-ES_tradnl" dirty="0" err="1" smtClean="0"/>
+              <a:t>Inclusi</a:t>
+            </a:r>
+            <a:r>
+              <a:rPr lang="es-ES" dirty="0" err="1" smtClean="0"/>
+              <a:t>ón</a:t>
+            </a:r>
+            <a:r>
+              <a:rPr lang="es-ES" dirty="0" smtClean="0"/>
+              <a:t/>
+            </a:r>
+            <a:br>
+              <a:rPr lang="es-ES" dirty="0" smtClean="0"/>
+            </a:br>
+            <a:r>
+              <a:rPr lang="es-ES" dirty="0" smtClean="0"/>
+              <a:t>ISSSTE</a:t>
+            </a:r>
+            <a:endParaRPr lang="es-ES_tradnl" dirty="0"/>
+          </a:p>
+        </p:txBody>
+      </p:sp>
+      <p:sp>
+        <p:nvSpPr>
+          <p:cNvPr id="3" name="Marcador de texto 2"/>
+          <p:cNvSpPr>
+            <a:spLocks noGrp="1"/>
+          </p:cNvSpPr>
+          <p:nvPr>
+            <p:ph type="body" idx="1"/>
+          </p:nvPr>
+        </p:nvSpPr>
+        <p:spPr>
+          <a:xfrm>
+            <a:off x="838200" y="1473935"/>
+            <a:ext cx="10515600" cy="4351338"/>
+          </a:xfrm>
+          <a:prstGeom prst="rect">
+            <a:avLst/>
+          </a:prstGeom>
+        </p:spPr>
+        <p:txBody>
+          <a:bodyPr vert="horz" lIns="91440" tIns="45720" rIns="91440" bIns="45720" rtlCol="0">
+            <a:normAutofit/>
+          </a:bodyPr>
+          <a:lstStyle/>
+          <a:p>
+            <a:pPr lvl="0"/>
+            <a:r>
+              <a:rPr lang="es-ES_tradnl" smtClean="0"/>
+              <a:t>Haga clic para modificar el estilo de texto del patrón</a:t>
+            </a:r>
+          </a:p>
+          <a:p>
+            <a:pPr lvl="1"/>
+            <a:r>
+              <a:rPr lang="es-ES_tradnl" smtClean="0"/>
+              <a:t>Segundo nivel</a:t>
+            </a:r>
+          </a:p>
+          <a:p>
+            <a:pPr lvl="2"/>
+            <a:r>
+              <a:rPr lang="es-ES_tradnl" smtClean="0"/>
+              <a:t>Tercer nivel</a:t>
+            </a:r>
+          </a:p>
+          <a:p>
+            <a:pPr lvl="3"/>
+            <a:r>
+              <a:rPr lang="es-ES_tradnl" smtClean="0"/>
+              <a:t>Cuarto nivel</a:t>
+            </a:r>
+          </a:p>
+          <a:p>
+            <a:pPr lvl="4"/>
+            <a:r>
+              <a:rPr lang="es-ES_tradnl" smtClean="0"/>
+              <a:t>Quinto nivel</a:t>
+            </a:r>
+            <a:endParaRPr lang="es-ES_tradnl"/>
+          </a:p>
+        </p:txBody>
+      </p:sp>
+      <p:sp>
+        <p:nvSpPr>
+          <p:cNvPr id="5" name="Marcador de pie de página 4"/>
+          <p:cNvSpPr>
+            <a:spLocks noGrp="1"/>
+          </p:cNvSpPr>
+          <p:nvPr>
+            <p:ph type="ftr" sz="quarter" idx="3"/>
+          </p:nvPr>
+        </p:nvSpPr>
+        <p:spPr>
+          <a:xfrm>
+            <a:off x="2634761" y="6387139"/>
+            <a:ext cx="6922477" cy="365125"/>
+          </a:xfrm>
+          <a:prstGeom prst="rect">
+            <a:avLst/>
+          </a:prstGeom>
+        </p:spPr>
+        <p:txBody>
+          <a:bodyPr vert="horz" lIns="91440" tIns="45720" rIns="91440" bIns="45720" rtlCol="0" anchor="ctr"/>
+          <a:lstStyle>
+            <a:lvl1pPr algn="ctr">
+              <a:defRPr sz="1100" b="1">
+                <a:solidFill>
+                  <a:schemeClr val="tx1">
+                    <a:tint val="75000"/>
+                  </a:schemeClr>
+                </a:solidFill>
+                <a:latin typeface="Arial" charset="0"/>
+                <a:ea typeface="Arial" charset="0"/>
+                <a:cs typeface="Arial" charset="0"/>
+              </a:defRPr>
+            </a:lvl1pPr>
+          </a:lstStyle>
+          <a:p>
+            <a:r>
+              <a:rPr lang="es-ES_tradnl" dirty="0" smtClean="0"/>
+              <a:t> </a:t>
+            </a:r>
+            <a:r>
+              <a:rPr lang="es-ES_tradnl" dirty="0" err="1" smtClean="0"/>
+              <a:t>Jes</a:t>
+            </a:r>
+            <a:r>
+              <a:rPr lang="es-ES" dirty="0" err="1" smtClean="0"/>
+              <a:t>ús</a:t>
+            </a:r>
+            <a:r>
+              <a:rPr lang="es-ES" dirty="0" smtClean="0"/>
+              <a:t> </a:t>
+            </a:r>
+            <a:r>
+              <a:rPr lang="es-ES_tradnl" dirty="0" smtClean="0"/>
+              <a:t>García Corona 140,Col. Buenavista, Ciudad de México. C.P. 06350</a:t>
+            </a:r>
+          </a:p>
+          <a:p>
+            <a:r>
+              <a:rPr lang="es-ES_tradnl" sz="1050" dirty="0" smtClean="0"/>
+              <a:t>Teléfono: 51409617 Atención a la ciudadanía: 54488903</a:t>
+            </a:r>
+          </a:p>
+          <a:p>
+            <a:r>
+              <a:rPr lang="es-ES_tradnl" sz="1050" dirty="0" smtClean="0"/>
+              <a:t>Instituto de Seguridad y Servicios Sociales de los Trabajadores del Estado </a:t>
+            </a:r>
+          </a:p>
+          <a:p>
+            <a:endParaRPr lang="es-ES_tradnl" dirty="0"/>
+          </a:p>
+        </p:txBody>
+      </p:sp>
       <p:pic>
         <p:nvPicPr>
-          <p:cNvPr id="7" name="Imagen 6" descr="/Users/jess/Dropbox/ISSSTE/propuestas de header/header_003.fw.png"/>
+          <p:cNvPr id="9" name="Imagen 8" descr="/Users/jess/Dropbox/ISSSTE_share/Imagenes/logo_ISSSTE.png"/>
           <p:cNvPicPr/>
           <p:nvPr userDrawn="1"/>
         </p:nvPicPr>
         <p:blipFill>
-          <a:blip r:embed="rId15" cstate="print">
+          <a:blip r:embed="rId15">
             <a:extLst>
               <a:ext uri="{28A0092B-C50C-407E-A947-70E740481C1C}">
                 <a14:useLocalDpi xmlns:a14="http://schemas.microsoft.com/office/drawing/2010/main" val="0"/>
@@ -2959,8 +3147,8 @@
         </p:blipFill>
         <p:spPr bwMode="auto">
           <a:xfrm>
-            <a:off x="0" y="-53573"/>
-            <a:ext cx="12192000" cy="813970"/>
+            <a:off x="257490" y="60859"/>
+            <a:ext cx="1069975" cy="405130"/>
           </a:xfrm>
           <a:prstGeom prst="rect">
             <a:avLst/>
@@ -2973,196 +3161,75 @@
       </p:pic>
       <p:sp>
         <p:nvSpPr>
-          <p:cNvPr id="2" name="Marcador de título 1"/>
-          <p:cNvSpPr>
-            <a:spLocks noGrp="1"/>
-          </p:cNvSpPr>
-          <p:nvPr>
-            <p:ph type="title"/>
-          </p:nvPr>
-        </p:nvSpPr>
-        <p:spPr>
-          <a:xfrm>
-            <a:off x="7161195" y="86082"/>
-            <a:ext cx="4816623" cy="289368"/>
+          <p:cNvPr id="12" name="Rectangle 2"/>
+          <p:cNvSpPr>
+            <a:spLocks noChangeArrowheads="1"/>
+          </p:cNvSpPr>
+          <p:nvPr userDrawn="1"/>
+        </p:nvSpPr>
+        <p:spPr bwMode="auto">
+          <a:xfrm>
+            <a:off x="0" y="0"/>
+            <a:ext cx="12192000" cy="457200"/>
           </a:xfrm>
           <a:prstGeom prst="rect">
             <a:avLst/>
           </a:prstGeom>
-        </p:spPr>
-        <p:txBody>
-          <a:bodyPr vert="horz" lIns="91440" tIns="45720" rIns="91440" bIns="45720" rtlCol="0" anchor="ctr">
-            <a:noAutofit/>
+          <a:noFill/>
+          <a:ln>
+            <a:noFill/>
+          </a:ln>
+          <a:effectLst/>
+          <a:extLst>
+            <a:ext uri="{909E8E84-426E-40dd-AFC4-6F175D3DCCD1}">
+              <a14:hiddenFill xmlns:a14="http://schemas.microsoft.com/office/drawing/2010/main">
+                <a:solidFill>
+                  <a:schemeClr val="accent1"/>
+                </a:solidFill>
+              </a14:hiddenFill>
+            </a:ext>
+            <a:ext uri="{91240B29-F687-4f45-9708-019B960494DF}">
+              <a14:hiddenLine xmlns:a14="http://schemas.microsoft.com/office/drawing/2010/main" w="9525">
+                <a:solidFill>
+                  <a:schemeClr val="tx1"/>
+                </a:solidFill>
+                <a:miter lim="800000"/>
+                <a:headEnd/>
+                <a:tailEnd/>
+              </a14:hiddenLine>
+            </a:ext>
+            <a:ext uri="{AF507438-7753-43e0-B8FC-AC1667EBCBE1}">
+              <a14:hiddenEffects xmlns:a14="http://schemas.microsoft.com/office/drawing/2010/main">
+                <a:effectLst>
+                  <a:outerShdw blurRad="63500" dist="38099" dir="2700000" algn="ctr" rotWithShape="0">
+                    <a:schemeClr val="bg2">
+                      <a:alpha val="74998"/>
+                    </a:schemeClr>
+                  </a:outerShdw>
+                </a:effectLst>
+              </a14:hiddenEffects>
+            </a:ext>
+          </a:extLst>
+        </p:spPr>
+        <p:txBody>
+          <a:bodyPr vert="horz" wrap="none" lIns="91440" tIns="45720" rIns="91440" bIns="45720" numCol="1" anchor="ctr" anchorCtr="0" compatLnSpc="1">
+            <a:prstTxWarp prst="textNoShape">
+              <a:avLst/>
+            </a:prstTxWarp>
+            <a:spAutoFit/>
           </a:bodyPr>
           <a:lstStyle/>
           <a:p>
-            <a:r>
-              <a:rPr lang="es-ES_tradnl" dirty="0" smtClean="0"/>
-              <a:t>Estrategia Nacional de </a:t>
-            </a:r>
-            <a:r>
-              <a:rPr lang="es-ES_tradnl" dirty="0" err="1" smtClean="0"/>
-              <a:t>Inclusi</a:t>
-            </a:r>
-            <a:r>
-              <a:rPr lang="es-ES" dirty="0" err="1" smtClean="0"/>
-              <a:t>ón</a:t>
-            </a:r>
-            <a:r>
-              <a:rPr lang="es-ES" dirty="0" smtClean="0"/>
-              <a:t/>
-            </a:r>
-            <a:br>
-              <a:rPr lang="es-ES" dirty="0" smtClean="0"/>
-            </a:br>
-            <a:r>
-              <a:rPr lang="es-ES" dirty="0" smtClean="0"/>
-              <a:t>ISSSTE</a:t>
-            </a:r>
-            <a:endParaRPr lang="es-ES_tradnl" dirty="0"/>
-          </a:p>
-        </p:txBody>
-      </p:sp>
-      <p:sp>
-        <p:nvSpPr>
-          <p:cNvPr id="3" name="Marcador de texto 2"/>
-          <p:cNvSpPr>
-            <a:spLocks noGrp="1"/>
-          </p:cNvSpPr>
-          <p:nvPr>
-            <p:ph type="body" idx="1"/>
-          </p:nvPr>
-        </p:nvSpPr>
-        <p:spPr>
-          <a:xfrm>
-            <a:off x="838200" y="1473935"/>
-            <a:ext cx="10515600" cy="4351338"/>
-          </a:xfrm>
-          <a:prstGeom prst="rect">
-            <a:avLst/>
-          </a:prstGeom>
-        </p:spPr>
-        <p:txBody>
-          <a:bodyPr vert="horz" lIns="91440" tIns="45720" rIns="91440" bIns="45720" rtlCol="0">
-            <a:normAutofit/>
-          </a:bodyPr>
-          <a:lstStyle/>
-          <a:p>
-            <a:pPr lvl="0"/>
-            <a:r>
-              <a:rPr lang="es-ES_tradnl" smtClean="0"/>
-              <a:t>Haga clic para modificar el estilo de texto del patrón</a:t>
-            </a:r>
-          </a:p>
-          <a:p>
-            <a:pPr lvl="1"/>
-            <a:r>
-              <a:rPr lang="es-ES_tradnl" smtClean="0"/>
-              <a:t>Segundo nivel</a:t>
-            </a:r>
-          </a:p>
-          <a:p>
-            <a:pPr lvl="2"/>
-            <a:r>
-              <a:rPr lang="es-ES_tradnl" smtClean="0"/>
-              <a:t>Tercer nivel</a:t>
-            </a:r>
-          </a:p>
-          <a:p>
-            <a:pPr lvl="3"/>
-            <a:r>
-              <a:rPr lang="es-ES_tradnl" smtClean="0"/>
-              <a:t>Cuarto nivel</a:t>
-            </a:r>
-          </a:p>
-          <a:p>
-            <a:pPr lvl="4"/>
-            <a:r>
-              <a:rPr lang="es-ES_tradnl" smtClean="0"/>
-              <a:t>Quinto nivel</a:t>
-            </a:r>
             <a:endParaRPr lang="es-ES_tradnl"/>
-          </a:p>
-        </p:txBody>
-      </p:sp>
-      <p:sp>
-        <p:nvSpPr>
-          <p:cNvPr id="5" name="Marcador de pie de página 4"/>
-          <p:cNvSpPr>
-            <a:spLocks noGrp="1"/>
-          </p:cNvSpPr>
-          <p:nvPr>
-            <p:ph type="ftr" sz="quarter" idx="3"/>
-          </p:nvPr>
-        </p:nvSpPr>
-        <p:spPr>
-          <a:xfrm>
-            <a:off x="2634761" y="6387139"/>
-            <a:ext cx="6922477" cy="365125"/>
-          </a:xfrm>
-          <a:prstGeom prst="rect">
-            <a:avLst/>
-          </a:prstGeom>
-        </p:spPr>
-        <p:txBody>
-          <a:bodyPr vert="horz" lIns="91440" tIns="45720" rIns="91440" bIns="45720" rtlCol="0" anchor="ctr"/>
-          <a:lstStyle>
-            <a:lvl1pPr algn="ctr">
-              <a:defRPr sz="1100" b="1">
-                <a:solidFill>
-                  <a:schemeClr val="tx1">
-                    <a:tint val="75000"/>
-                  </a:schemeClr>
-                </a:solidFill>
-                <a:latin typeface="Arial" charset="0"/>
-                <a:ea typeface="Arial" charset="0"/>
-                <a:cs typeface="Arial" charset="0"/>
-              </a:defRPr>
-            </a:lvl1pPr>
-          </a:lstStyle>
-          <a:p>
-            <a:r>
-              <a:rPr lang="es-ES_tradnl" dirty="0" smtClean="0"/>
-              <a:t> </a:t>
-            </a:r>
-            <a:r>
-              <a:rPr lang="es-ES_tradnl" dirty="0" err="1" smtClean="0"/>
-              <a:t>Jes</a:t>
-            </a:r>
-            <a:r>
-              <a:rPr lang="es-ES" dirty="0" err="1" smtClean="0"/>
-              <a:t>ús</a:t>
-            </a:r>
-            <a:r>
-              <a:rPr lang="es-ES" dirty="0" smtClean="0"/>
-              <a:t> </a:t>
-            </a:r>
-            <a:r>
-              <a:rPr lang="es-ES_tradnl" dirty="0" smtClean="0"/>
-              <a:t>García Corona 140,Col. Buenavista, Ciudad de México. C.P. 06350</a:t>
-            </a:r>
-          </a:p>
-          <a:p>
-            <a:r>
-              <a:rPr lang="es-ES_tradnl" sz="1050" dirty="0" smtClean="0"/>
-              <a:t>Teléfono: 51409617 Atención a la ciudadanía: 54488903</a:t>
-            </a:r>
-          </a:p>
-          <a:p>
-            <a:r>
-              <a:rPr lang="es-ES_tradnl" sz="1050" dirty="0" smtClean="0"/>
-              <a:t>Instituto de Seguridad y Servicios Sociales de los Trabajadores del Estado </a:t>
-            </a:r>
-          </a:p>
-          <a:p>
-            <a:endParaRPr lang="es-ES_tradnl" dirty="0"/>
           </a:p>
         </p:txBody>
       </p:sp>
       <p:pic>
         <p:nvPicPr>
-          <p:cNvPr id="9" name="Imagen 8" descr="/Users/jess/Dropbox/ISSSTE_share/Imagenes/logo_ISSSTE.png"/>
-          <p:cNvPicPr/>
+          <p:cNvPr id="1026" name="Picture 2" descr="C:\Users\Pam\Dropbox\ISSSTE_share\Imagenes\001_gradienteMenu.fw.png"/>
+          <p:cNvPicPr>
+            <a:picLocks noChangeAspect="1" noChangeArrowheads="1"/>
+          </p:cNvPicPr>
           <p:nvPr userDrawn="1"/>
         </p:nvPicPr>
         <p:blipFill>
@@ -3180,83 +3247,24 @@
         </p:blipFill>
         <p:spPr bwMode="auto">
           <a:xfrm>
-            <a:off x="257490" y="28201"/>
-            <a:ext cx="1069975" cy="405130"/>
+            <a:off x="0" y="532114"/>
+            <a:ext cx="12192000" cy="381000"/>
           </a:xfrm>
           <a:prstGeom prst="rect">
             <a:avLst/>
           </a:prstGeom>
           <a:noFill/>
-          <a:ln>
-            <a:noFill/>
-          </a:ln>
-        </p:spPr>
-      </p:pic>
-      <p:sp>
-        <p:nvSpPr>
-          <p:cNvPr id="12" name="Rectangle 2"/>
-          <p:cNvSpPr>
-            <a:spLocks noChangeArrowheads="1"/>
-          </p:cNvSpPr>
-          <p:nvPr userDrawn="1"/>
-        </p:nvSpPr>
-        <p:spPr bwMode="auto">
-          <a:xfrm>
-            <a:off x="0" y="0"/>
-            <a:ext cx="12192000" cy="457200"/>
-          </a:xfrm>
-          <a:prstGeom prst="rect">
-            <a:avLst/>
-          </a:prstGeom>
-          <a:noFill/>
-          <a:ln>
-            <a:noFill/>
-          </a:ln>
-          <a:effectLst/>
           <a:extLst>
-            <a:ext uri="{909E8E84-426E-40DD-AFC4-6F175D3DCCD1}">
+            <a:ext uri="{909E8E84-426E-40dd-AFC4-6F175D3DCCD1}">
               <a14:hiddenFill xmlns:a14="http://schemas.microsoft.com/office/drawing/2010/main">
                 <a:solidFill>
-                  <a:schemeClr val="accent1"/>
+                  <a:srgbClr val="FFFFFF"/>
                 </a:solidFill>
               </a14:hiddenFill>
             </a:ext>
-            <a:ext uri="{91240B29-F687-4F45-9708-019B960494DF}">
-              <a14:hiddenLine xmlns:a14="http://schemas.microsoft.com/office/drawing/2010/main" w="9525">
-                <a:solidFill>
-                  <a:schemeClr val="tx1"/>
-                </a:solidFill>
-                <a:miter lim="800000"/>
-                <a:headEnd/>
-                <a:tailEnd/>
-              </a14:hiddenLine>
-            </a:ext>
-            <a:ext uri="{AF507438-7753-43E0-B8FC-AC1667EBCBE1}">
-              <a14:hiddenEffects xmlns:a14="http://schemas.microsoft.com/office/drawing/2010/main">
-                <a:effectLst>
-                  <a:outerShdw blurRad="63500" dist="38099" dir="2700000" algn="ctr" rotWithShape="0">
-                    <a:schemeClr val="bg2">
-                      <a:alpha val="74998"/>
-                    </a:schemeClr>
-                  </a:outerShdw>
-                </a:effectLst>
-              </a14:hiddenEffects>
-            </a:ext>
           </a:extLst>
         </p:spPr>
-        <p:txBody>
-          <a:bodyPr vert="horz" wrap="none" lIns="91440" tIns="45720" rIns="91440" bIns="45720" numCol="1" anchor="ctr" anchorCtr="0" compatLnSpc="1">
-            <a:prstTxWarp prst="textNoShape">
-              <a:avLst/>
-            </a:prstTxWarp>
-            <a:spAutoFit/>
-          </a:bodyPr>
-          <a:lstStyle/>
-          <a:p>
-            <a:endParaRPr lang="es-ES_tradnl"/>
-          </a:p>
-        </p:txBody>
-      </p:sp>
+      </p:pic>
     </p:spTree>
     <p:extLst>
       <p:ext uri="{BB962C8B-B14F-4D97-AF65-F5344CB8AC3E}">
@@ -3587,7 +3595,7 @@
           <p:nvPr>
             <p:extLst>
               <p:ext uri="{D42A27DB-BD31-4B8C-83A1-F6EECF244321}">
-                <p14:modId xmlns:p14="http://schemas.microsoft.com/office/powerpoint/2010/main" val="2709393276"/>
+                <p14:modId xmlns:p14="http://schemas.microsoft.com/office/powerpoint/2010/main" val="751762195"/>
               </p:ext>
             </p:extLst>
           </p:nvPr>
@@ -3953,16 +3961,7 @@
                 </a:solidFill>
                 <a:latin typeface="Arial Narrow" panose="020B0606020202030204" pitchFamily="34" charset="0"/>
               </a:rPr>
-              <a:t> / </a:t>
-            </a:r>
-            <a:r>
-              <a:rPr lang="es-MX" sz="1600" b="1" dirty="0" smtClean="0">
-                <a:solidFill>
-                  <a:srgbClr val="008040"/>
-                </a:solidFill>
-                <a:latin typeface="Arial Narrow" panose="020B0606020202030204" pitchFamily="34" charset="0"/>
-              </a:rPr>
-              <a:t>1</a:t>
+              <a:t> / 1</a:t>
             </a:r>
             <a:endParaRPr lang="es-MX" sz="1600" b="1" dirty="0">
               <a:solidFill>
@@ -3976,7 +3975,7 @@
     </p:spTree>
     <p:extLst>
       <p:ext uri="{BB962C8B-B14F-4D97-AF65-F5344CB8AC3E}">
-        <p14:creationId xmlns:p14="http://schemas.microsoft.com/office/powerpoint/2010/main" val="2097948831"/>
+        <p14:creationId xmlns:p14="http://schemas.microsoft.com/office/powerpoint/2010/main" val="950450229"/>
       </p:ext>
     </p:extLst>
   </p:cSld>
@@ -4365,16 +4364,7 @@
                 </a:solidFill>
                 <a:latin typeface="Arial Narrow" panose="020B0606020202030204" pitchFamily="34" charset="0"/>
               </a:rPr>
-              <a:t>2 </a:t>
-            </a:r>
-            <a:r>
-              <a:rPr lang="es-MX" sz="1600" b="1" dirty="0" smtClean="0">
-                <a:solidFill>
-                  <a:srgbClr val="008040"/>
-                </a:solidFill>
-                <a:latin typeface="Arial Narrow" panose="020B0606020202030204" pitchFamily="34" charset="0"/>
-              </a:rPr>
-              <a:t>/ 5</a:t>
+              <a:t>2 / 5</a:t>
             </a:r>
             <a:endParaRPr lang="es-MX" sz="1600" b="1" dirty="0">
               <a:solidFill>
@@ -4388,7 +4378,7 @@
     </p:spTree>
     <p:extLst>
       <p:ext uri="{BB962C8B-B14F-4D97-AF65-F5344CB8AC3E}">
-        <p14:creationId xmlns:p14="http://schemas.microsoft.com/office/powerpoint/2010/main" val="4210159341"/>
+        <p14:creationId xmlns:p14="http://schemas.microsoft.com/office/powerpoint/2010/main" val="2445163642"/>
       </p:ext>
     </p:extLst>
   </p:cSld>
@@ -4786,25 +4776,7 @@
                 </a:solidFill>
                 <a:latin typeface="Arial Narrow" panose="020B0606020202030204" pitchFamily="34" charset="0"/>
               </a:rPr>
-              <a:t> </a:t>
-            </a:r>
-            <a:r>
-              <a:rPr lang="es-MX" sz="1600" b="1" dirty="0" smtClean="0">
-                <a:solidFill>
-                  <a:srgbClr val="008040"/>
-                </a:solidFill>
-                <a:latin typeface="Arial Narrow" panose="020B0606020202030204" pitchFamily="34" charset="0"/>
-              </a:rPr>
-              <a:t>/ </a:t>
-            </a:r>
-            <a:r>
-              <a:rPr lang="es-MX" sz="1600" b="1" dirty="0" smtClean="0">
-                <a:solidFill>
-                  <a:srgbClr val="008040"/>
-                </a:solidFill>
-                <a:latin typeface="Arial Narrow" panose="020B0606020202030204" pitchFamily="34" charset="0"/>
-              </a:rPr>
-              <a:t>5</a:t>
+              <a:t> / 5</a:t>
             </a:r>
             <a:endParaRPr lang="es-MX" sz="1600" b="1" dirty="0">
               <a:solidFill>
@@ -4818,7 +4790,7 @@
     </p:spTree>
     <p:extLst>
       <p:ext uri="{BB962C8B-B14F-4D97-AF65-F5344CB8AC3E}">
-        <p14:creationId xmlns:p14="http://schemas.microsoft.com/office/powerpoint/2010/main" val="676832755"/>
+        <p14:creationId xmlns:p14="http://schemas.microsoft.com/office/powerpoint/2010/main" val="645602573"/>
       </p:ext>
     </p:extLst>
   </p:cSld>
@@ -5216,25 +5188,7 @@
                 </a:solidFill>
                 <a:latin typeface="Arial Narrow" panose="020B0606020202030204" pitchFamily="34" charset="0"/>
               </a:rPr>
-              <a:t> </a:t>
-            </a:r>
-            <a:r>
-              <a:rPr lang="es-MX" sz="1600" b="1" dirty="0" smtClean="0">
-                <a:solidFill>
-                  <a:srgbClr val="008040"/>
-                </a:solidFill>
-                <a:latin typeface="Arial Narrow" panose="020B0606020202030204" pitchFamily="34" charset="0"/>
-              </a:rPr>
-              <a:t>/ </a:t>
-            </a:r>
-            <a:r>
-              <a:rPr lang="es-MX" sz="1600" b="1" dirty="0" smtClean="0">
-                <a:solidFill>
-                  <a:srgbClr val="008040"/>
-                </a:solidFill>
-                <a:latin typeface="Arial Narrow" panose="020B0606020202030204" pitchFamily="34" charset="0"/>
-              </a:rPr>
-              <a:t>5</a:t>
+              <a:t> / 5</a:t>
             </a:r>
             <a:endParaRPr lang="es-MX" sz="1600" b="1" dirty="0">
               <a:solidFill>
@@ -5248,7 +5202,7 @@
     </p:spTree>
     <p:extLst>
       <p:ext uri="{BB962C8B-B14F-4D97-AF65-F5344CB8AC3E}">
-        <p14:creationId xmlns:p14="http://schemas.microsoft.com/office/powerpoint/2010/main" val="3798835619"/>
+        <p14:creationId xmlns:p14="http://schemas.microsoft.com/office/powerpoint/2010/main" val="3776675362"/>
       </p:ext>
     </p:extLst>
   </p:cSld>
@@ -5646,25 +5600,7 @@
                 </a:solidFill>
                 <a:latin typeface="Arial Narrow" panose="020B0606020202030204" pitchFamily="34" charset="0"/>
               </a:rPr>
-              <a:t> </a:t>
-            </a:r>
-            <a:r>
-              <a:rPr lang="es-MX" sz="1600" b="1" dirty="0" smtClean="0">
-                <a:solidFill>
-                  <a:srgbClr val="008040"/>
-                </a:solidFill>
-                <a:latin typeface="Arial Narrow" panose="020B0606020202030204" pitchFamily="34" charset="0"/>
-              </a:rPr>
-              <a:t>/ </a:t>
-            </a:r>
-            <a:r>
-              <a:rPr lang="es-MX" sz="1600" b="1" dirty="0" smtClean="0">
-                <a:solidFill>
-                  <a:srgbClr val="008040"/>
-                </a:solidFill>
-                <a:latin typeface="Arial Narrow" panose="020B0606020202030204" pitchFamily="34" charset="0"/>
-              </a:rPr>
-              <a:t>5</a:t>
+              <a:t> / 5</a:t>
             </a:r>
             <a:endParaRPr lang="es-MX" sz="1600" b="1" dirty="0">
               <a:solidFill>
@@ -5678,7 +5614,7 @@
     </p:spTree>
     <p:extLst>
       <p:ext uri="{BB962C8B-B14F-4D97-AF65-F5344CB8AC3E}">
-        <p14:creationId xmlns:p14="http://schemas.microsoft.com/office/powerpoint/2010/main" val="3890502694"/>
+        <p14:creationId xmlns:p14="http://schemas.microsoft.com/office/powerpoint/2010/main" val="3947890487"/>
       </p:ext>
     </p:extLst>
   </p:cSld>
@@ -5731,7 +5667,7 @@
     </a:clrScheme>
     <a:fontScheme name="Office">
       <a:majorFont>
-        <a:latin typeface="Calibri Light" panose="020F0302020204030204"/>
+        <a:latin typeface="Calibri Light"/>
         <a:ea typeface=""/>
         <a:cs typeface=""/>
         <a:font script="Jpan" typeface="Yu Gothic Light"/>
@@ -5766,7 +5702,7 @@
         <a:font script="Geor" typeface="Sylfaen"/>
       </a:majorFont>
       <a:minorFont>
-        <a:latin typeface="Calibri" panose="020F0502020204030204"/>
+        <a:latin typeface="Calibri"/>
         <a:ea typeface=""/>
         <a:cs typeface=""/>
         <a:font script="Jpan" typeface="Yu Gothic"/>
@@ -5943,7 +5879,7 @@
   <a:extraClrSchemeLst/>
   <a:extLst>
     <a:ext uri="{05A4C25C-085E-4340-85A3-A5531E510DB2}">
-      <thm15:themeFamily xmlns:thm15="http://schemas.microsoft.com/office/thememl/2012/main" name="Office Theme" id="{62F939B6-93AF-4DB8-9C6B-D6C7DFDC589F}" vid="{4A3C46E8-61CC-4603-A589-7422A47A8E4A}"/>
+      <thm15:themeFamily xmlns="" xmlns:thm15="http://schemas.microsoft.com/office/thememl/2012/main" name="Office Theme" id="{62F939B6-93AF-4DB8-9C6B-D6C7DFDC589F}" vid="{4A3C46E8-61CC-4603-A589-7422A47A8E4A}"/>
     </a:ext>
   </a:extLst>
 </a:theme>
